--- a/bluemix-devops.pptx
+++ b/bluemix-devops.pptx
@@ -8780,11 +8780,7 @@
           <a:p>
             <a:r>
               <a:rPr lang="en-US" dirty="0" smtClean="0"/>
-              <a:t>Ed </a:t>
-            </a:r>
-            <a:r>
-              <a:rPr lang="en-US" dirty="0" smtClean="0"/>
-              <a:t>Salinas</a:t>
+              <a:t>Ed Salinas</a:t>
             </a:r>
           </a:p>
           <a:p>
@@ -8820,7 +8816,7 @@
             </a:r>
             <a:r>
               <a:rPr lang="en-US" sz="2000" dirty="0" err="1" smtClean="0"/>
-              <a:t>tayo</a:t>
+              <a:t>sa</a:t>
             </a:r>
             <a:r>
               <a:rPr lang="en-US" sz="2000" dirty="0" smtClean="0"/>
@@ -8828,7 +8824,11 @@
             </a:r>
             <a:r>
               <a:rPr lang="en-US" sz="2000" dirty="0" err="1" smtClean="0"/>
-              <a:t>makipagdate</a:t>
+              <a:t>lablyf</a:t>
+            </a:r>
+            <a:r>
+              <a:rPr lang="en-US" sz="2000" dirty="0" smtClean="0"/>
+              <a:t> </a:t>
             </a:r>
             <a:r>
               <a:rPr lang="en-US" sz="2000" dirty="0" smtClean="0">
@@ -9206,8 +9206,8 @@
         </p:blipFill>
         <p:spPr>
           <a:xfrm>
-            <a:off x="3275012" y="1219200"/>
-            <a:ext cx="4972050" cy="5153025"/>
+            <a:off x="2894012" y="1071563"/>
+            <a:ext cx="5410200" cy="5607123"/>
           </a:xfrm>
           <a:prstGeom prst="rect">
             <a:avLst/>

--- a/bluemix-devops.pptx
+++ b/bluemix-devops.pptx
@@ -5352,10 +5352,10 @@
           <a:lstStyle/>
           <a:p>
             <a:r>
-              <a:rPr lang="en-US" dirty="0" smtClean="0"/>
+              <a:rPr lang="en-US" b="1" dirty="0" smtClean="0"/>
               <a:t>Features</a:t>
             </a:r>
-            <a:endParaRPr lang="en-US" dirty="0"/>
+            <a:endParaRPr lang="en-US" b="1" dirty="0"/>
           </a:p>
         </p:txBody>
       </p:sp>
@@ -5427,27 +5427,21 @@
           <a:p>
             <a:r>
               <a:rPr lang="en-US" dirty="0"/>
-              <a:t>Integrated source code editor</a:t>
-            </a:r>
-          </a:p>
-          <a:p>
+              <a:t>Integrated source code </a:t>
+            </a:r>
+            <a:r>
+              <a:rPr lang="en-US" dirty="0" smtClean="0"/>
+              <a:t>editor</a:t>
+            </a:r>
+          </a:p>
+          <a:p>
+            <a:r>
+              <a:rPr lang="en-US" dirty="0" smtClean="0"/>
+              <a:t>Built-in </a:t>
+            </a:r>
             <a:r>
               <a:rPr lang="en-US" dirty="0"/>
-              <a:t>Update a running app automatically with </a:t>
-            </a:r>
-            <a:r>
-              <a:rPr lang="en-US" dirty="0" err="1"/>
-              <a:t>Bluemix</a:t>
-            </a:r>
-            <a:r>
-              <a:rPr lang="en-US" dirty="0"/>
-              <a:t> Live Sync</a:t>
-            </a:r>
-          </a:p>
-          <a:p>
-            <a:r>
-              <a:rPr lang="en-US" dirty="0"/>
-              <a:t>Built-in source code </a:t>
+              <a:t>source code </a:t>
             </a:r>
             <a:r>
               <a:rPr lang="en-US" dirty="0" smtClean="0"/>
@@ -11082,7 +11076,11 @@
           <a:p>
             <a:r>
               <a:rPr lang="en-US" dirty="0" smtClean="0"/>
-              <a:t>Who would want partial </a:t>
+              <a:t>Who would want </a:t>
+            </a:r>
+            <a:r>
+              <a:rPr lang="en-US" dirty="0" smtClean="0"/>
+              <a:t>a </a:t>
             </a:r>
             <a:r>
               <a:rPr lang="en-US" dirty="0" smtClean="0">
@@ -11090,11 +11088,15 @@
                   <a:srgbClr val="FF0000"/>
                 </a:solidFill>
               </a:rPr>
-              <a:t>love</a:t>
+              <a:t>love </a:t>
             </a:r>
             <a:r>
               <a:rPr lang="en-US" dirty="0" smtClean="0"/>
-              <a:t>? (English)</a:t>
+              <a:t>that is partial? </a:t>
+            </a:r>
+            <a:r>
+              <a:rPr lang="en-US" dirty="0" smtClean="0"/>
+              <a:t>(English)</a:t>
             </a:r>
             <a:endParaRPr lang="en-US" dirty="0"/>
           </a:p>
